--- a/Report/Đề tài VPC - DynamoDB.pptx
+++ b/Report/Đề tài VPC - DynamoDB.pptx
@@ -5,7 +5,7 @@
     <p:sldMasterId id="2147483738" r:id="rId1"/>
   </p:sldMasterIdLst>
   <p:notesMasterIdLst>
-    <p:notesMasterId r:id="rId16"/>
+    <p:notesMasterId r:id="rId15"/>
   </p:notesMasterIdLst>
   <p:sldIdLst>
     <p:sldId id="258" r:id="rId2"/>
@@ -20,8 +20,7 @@
     <p:sldId id="297" r:id="rId11"/>
     <p:sldId id="298" r:id="rId12"/>
     <p:sldId id="302" r:id="rId13"/>
-    <p:sldId id="303" r:id="rId14"/>
-    <p:sldId id="304" r:id="rId15"/>
+    <p:sldId id="304" r:id="rId14"/>
   </p:sldIdLst>
   <p:sldSz cx="12192000" cy="6858000"/>
   <p:notesSz cx="6858000" cy="9144000"/>
@@ -210,7 +209,7 @@
           <a:p>
             <a:fld id="{D3B3A162-5C28-4964-8289-7714FEABF1A5}" type="datetimeFigureOut">
               <a:rPr lang="en-GB" smtClean="0"/>
-              <a:t>13/06/2021</a:t>
+              <a:t>14/06/2021</a:t>
             </a:fld>
             <a:endParaRPr lang="en-GB"/>
           </a:p>
@@ -1358,7 +1357,7 @@
           <a:p>
             <a:fld id="{8DEA2CF1-0EB2-4673-802D-3371233E4A77}" type="datetime2">
               <a:rPr lang="en-US" smtClean="0"/>
-              <a:t>Sunday, June 13, 2021</a:t>
+              <a:t>Monday, June 14, 2021</a:t>
             </a:fld>
             <a:endParaRPr lang="en-US" dirty="0"/>
           </a:p>
@@ -1616,7 +1615,7 @@
           <a:p>
             <a:fld id="{8DEA2CF1-0EB2-4673-802D-3371233E4A77}" type="datetime2">
               <a:rPr lang="en-US" smtClean="0"/>
-              <a:t>Sunday, June 13, 2021</a:t>
+              <a:t>Monday, June 14, 2021</a:t>
             </a:fld>
             <a:endParaRPr lang="en-US" dirty="0"/>
           </a:p>
@@ -1937,7 +1936,7 @@
           <a:p>
             <a:fld id="{8DEA2CF1-0EB2-4673-802D-3371233E4A77}" type="datetime2">
               <a:rPr lang="en-US" smtClean="0"/>
-              <a:t>Sunday, June 13, 2021</a:t>
+              <a:t>Monday, June 14, 2021</a:t>
             </a:fld>
             <a:endParaRPr lang="en-US" dirty="0"/>
           </a:p>
@@ -2285,7 +2284,7 @@
           <a:p>
             <a:fld id="{8DEA2CF1-0EB2-4673-802D-3371233E4A77}" type="datetime2">
               <a:rPr lang="en-US" smtClean="0"/>
-              <a:t>Sunday, June 13, 2021</a:t>
+              <a:t>Monday, June 14, 2021</a:t>
             </a:fld>
             <a:endParaRPr lang="en-US" dirty="0"/>
           </a:p>
@@ -2606,7 +2605,7 @@
           <a:p>
             <a:fld id="{8DEA2CF1-0EB2-4673-802D-3371233E4A77}" type="datetime2">
               <a:rPr lang="en-US" smtClean="0"/>
-              <a:t>Sunday, June 13, 2021</a:t>
+              <a:t>Monday, June 14, 2021</a:t>
             </a:fld>
             <a:endParaRPr lang="en-US" dirty="0"/>
           </a:p>
@@ -3006,7 +3005,7 @@
           <a:p>
             <a:fld id="{8DEA2CF1-0EB2-4673-802D-3371233E4A77}" type="datetime2">
               <a:rPr lang="en-US" smtClean="0"/>
-              <a:t>Sunday, June 13, 2021</a:t>
+              <a:t>Monday, June 14, 2021</a:t>
             </a:fld>
             <a:endParaRPr lang="en-US" dirty="0"/>
           </a:p>
@@ -3183,7 +3182,7 @@
           <a:p>
             <a:fld id="{8DEA2CF1-0EB2-4673-802D-3371233E4A77}" type="datetime2">
               <a:rPr lang="en-US" smtClean="0"/>
-              <a:t>Sunday, June 13, 2021</a:t>
+              <a:t>Monday, June 14, 2021</a:t>
             </a:fld>
             <a:endParaRPr lang="en-US" dirty="0"/>
           </a:p>
@@ -3370,7 +3369,7 @@
           <a:p>
             <a:fld id="{8DEA2CF1-0EB2-4673-802D-3371233E4A77}" type="datetime2">
               <a:rPr lang="en-US" smtClean="0"/>
-              <a:t>Sunday, June 13, 2021</a:t>
+              <a:t>Monday, June 14, 2021</a:t>
             </a:fld>
             <a:endParaRPr lang="en-US" dirty="0"/>
           </a:p>
@@ -3553,7 +3552,7 @@
           <a:p>
             <a:fld id="{8DEA2CF1-0EB2-4673-802D-3371233E4A77}" type="datetime2">
               <a:rPr lang="en-US" smtClean="0"/>
-              <a:t>Sunday, June 13, 2021</a:t>
+              <a:t>Monday, June 14, 2021</a:t>
             </a:fld>
             <a:endParaRPr lang="en-US" dirty="0"/>
           </a:p>
@@ -3807,7 +3806,7 @@
           <a:p>
             <a:fld id="{8DEA2CF1-0EB2-4673-802D-3371233E4A77}" type="datetime2">
               <a:rPr lang="en-US" smtClean="0"/>
-              <a:t>Sunday, June 13, 2021</a:t>
+              <a:t>Monday, June 14, 2021</a:t>
             </a:fld>
             <a:endParaRPr lang="en-US" dirty="0"/>
           </a:p>
@@ -4046,7 +4045,7 @@
           <a:p>
             <a:fld id="{8DEA2CF1-0EB2-4673-802D-3371233E4A77}" type="datetime2">
               <a:rPr lang="en-US" smtClean="0"/>
-              <a:t>Sunday, June 13, 2021</a:t>
+              <a:t>Monday, June 14, 2021</a:t>
             </a:fld>
             <a:endParaRPr lang="en-US" dirty="0"/>
           </a:p>
@@ -4427,7 +4426,7 @@
           <a:p>
             <a:fld id="{8DEA2CF1-0EB2-4673-802D-3371233E4A77}" type="datetime2">
               <a:rPr lang="en-US" smtClean="0"/>
-              <a:t>Sunday, June 13, 2021</a:t>
+              <a:t>Monday, June 14, 2021</a:t>
             </a:fld>
             <a:endParaRPr lang="en-US" dirty="0"/>
           </a:p>
@@ -4557,7 +4556,7 @@
           <a:p>
             <a:fld id="{8DEA2CF1-0EB2-4673-802D-3371233E4A77}" type="datetime2">
               <a:rPr lang="en-US" smtClean="0"/>
-              <a:t>Sunday, June 13, 2021</a:t>
+              <a:t>Monday, June 14, 2021</a:t>
             </a:fld>
             <a:endParaRPr lang="en-US" dirty="0"/>
           </a:p>
@@ -4659,7 +4658,7 @@
           <a:p>
             <a:fld id="{8DEA2CF1-0EB2-4673-802D-3371233E4A77}" type="datetime2">
               <a:rPr lang="en-US" smtClean="0"/>
-              <a:t>Sunday, June 13, 2021</a:t>
+              <a:t>Monday, June 14, 2021</a:t>
             </a:fld>
             <a:endParaRPr lang="en-US" dirty="0"/>
           </a:p>
@@ -4921,7 +4920,7 @@
           <a:p>
             <a:fld id="{8DEA2CF1-0EB2-4673-802D-3371233E4A77}" type="datetime2">
               <a:rPr lang="en-US" smtClean="0"/>
-              <a:t>Sunday, June 13, 2021</a:t>
+              <a:t>Monday, June 14, 2021</a:t>
             </a:fld>
             <a:endParaRPr lang="en-US" dirty="0"/>
           </a:p>
@@ -5191,7 +5190,7 @@
           <a:p>
             <a:fld id="{8DEA2CF1-0EB2-4673-802D-3371233E4A77}" type="datetime2">
               <a:rPr lang="en-US" smtClean="0"/>
-              <a:t>Sunday, June 13, 2021</a:t>
+              <a:t>Monday, June 14, 2021</a:t>
             </a:fld>
             <a:endParaRPr lang="en-US" dirty="0"/>
           </a:p>
@@ -5941,7 +5940,7 @@
           <a:p>
             <a:fld id="{8DEA2CF1-0EB2-4673-802D-3371233E4A77}" type="datetime2">
               <a:rPr lang="en-US" smtClean="0"/>
-              <a:t>Sunday, June 13, 2021</a:t>
+              <a:t>Monday, June 14, 2021</a:t>
             </a:fld>
             <a:endParaRPr lang="en-US" dirty="0"/>
           </a:p>
@@ -8900,483 +8899,6 @@
 </file>
 
 <file path=ppt/slides/slide13.xml><?xml version="1.0" encoding="utf-8"?>
-<p:sld xmlns:a="http://schemas.openxmlformats.org/drawingml/2006/main" xmlns:r="http://schemas.openxmlformats.org/officeDocument/2006/relationships" xmlns:p="http://schemas.openxmlformats.org/presentationml/2006/main">
-  <p:cSld>
-    <p:spTree>
-      <p:nvGrpSpPr>
-        <p:cNvPr id="1" name=""/>
-        <p:cNvGrpSpPr/>
-        <p:nvPr/>
-      </p:nvGrpSpPr>
-      <p:grpSpPr>
-        <a:xfrm>
-          <a:off x="0" y="0"/>
-          <a:ext cx="0" cy="0"/>
-          <a:chOff x="0" y="0"/>
-          <a:chExt cx="0" cy="0"/>
-        </a:xfrm>
-      </p:grpSpPr>
-      <p:sp>
-        <p:nvSpPr>
-          <p:cNvPr id="2" name="Title 1">
-            <a:extLst>
-              <a:ext uri="{FF2B5EF4-FFF2-40B4-BE49-F238E27FC236}">
-                <a16:creationId xmlns:a16="http://schemas.microsoft.com/office/drawing/2014/main" id="{2A250A0D-E527-4196-80D9-69C54FCB7193}"/>
-              </a:ext>
-            </a:extLst>
-          </p:cNvPr>
-          <p:cNvSpPr>
-            <a:spLocks noGrp="1"/>
-          </p:cNvSpPr>
-          <p:nvPr>
-            <p:ph type="title"/>
-          </p:nvPr>
-        </p:nvSpPr>
-        <p:spPr/>
-        <p:txBody>
-          <a:bodyPr/>
-          <a:lstStyle/>
-          <a:p>
-            <a:r>
-              <a:rPr lang="en-US" dirty="0"/>
-              <a:t>2. EC2</a:t>
-            </a:r>
-          </a:p>
-        </p:txBody>
-      </p:sp>
-      <p:sp>
-        <p:nvSpPr>
-          <p:cNvPr id="3" name="Content Placeholder 2">
-            <a:extLst>
-              <a:ext uri="{FF2B5EF4-FFF2-40B4-BE49-F238E27FC236}">
-                <a16:creationId xmlns:a16="http://schemas.microsoft.com/office/drawing/2014/main" id="{48D2C64A-10EC-4F0D-B1B7-3A68395F9CD4}"/>
-              </a:ext>
-            </a:extLst>
-          </p:cNvPr>
-          <p:cNvSpPr>
-            <a:spLocks noGrp="1"/>
-          </p:cNvSpPr>
-          <p:nvPr>
-            <p:ph idx="1"/>
-          </p:nvPr>
-        </p:nvSpPr>
-        <p:spPr>
-          <a:xfrm>
-            <a:off x="677334" y="1488613"/>
-            <a:ext cx="8596668" cy="3880773"/>
-          </a:xfrm>
-        </p:spPr>
-        <p:txBody>
-          <a:bodyPr>
-            <a:normAutofit/>
-          </a:bodyPr>
-          <a:lstStyle/>
-          <a:p>
-            <a:r>
-              <a:rPr lang="en-GB" sz="2800" b="1" i="0" dirty="0">
-                <a:solidFill>
-                  <a:srgbClr val="292B2C"/>
-                </a:solidFill>
-                <a:effectLst/>
-                <a:latin typeface="Times New Roman" panose="02020603050405020304" pitchFamily="18" charset="0"/>
-                <a:cs typeface="Times New Roman" panose="02020603050405020304" pitchFamily="18" charset="0"/>
-              </a:rPr>
-              <a:t>Amazon EC2</a:t>
-            </a:r>
-            <a:r>
-              <a:rPr lang="en-GB" sz="2800" b="0" i="0" dirty="0">
-                <a:solidFill>
-                  <a:srgbClr val="292B2C"/>
-                </a:solidFill>
-                <a:effectLst/>
-                <a:latin typeface="Times New Roman" panose="02020603050405020304" pitchFamily="18" charset="0"/>
-                <a:cs typeface="Times New Roman" panose="02020603050405020304" pitchFamily="18" charset="0"/>
-              </a:rPr>
-              <a:t> </a:t>
-            </a:r>
-            <a:r>
-              <a:rPr lang="en-GB" sz="2800" b="0" i="0" dirty="0" err="1">
-                <a:solidFill>
-                  <a:srgbClr val="292B2C"/>
-                </a:solidFill>
-                <a:effectLst/>
-                <a:latin typeface="Times New Roman" panose="02020603050405020304" pitchFamily="18" charset="0"/>
-                <a:cs typeface="Times New Roman" panose="02020603050405020304" pitchFamily="18" charset="0"/>
-              </a:rPr>
-              <a:t>cung</a:t>
-            </a:r>
-            <a:r>
-              <a:rPr lang="en-GB" sz="2800" b="0" i="0" dirty="0">
-                <a:solidFill>
-                  <a:srgbClr val="292B2C"/>
-                </a:solidFill>
-                <a:effectLst/>
-                <a:latin typeface="Times New Roman" panose="02020603050405020304" pitchFamily="18" charset="0"/>
-                <a:cs typeface="Times New Roman" panose="02020603050405020304" pitchFamily="18" charset="0"/>
-              </a:rPr>
-              <a:t> </a:t>
-            </a:r>
-            <a:r>
-              <a:rPr lang="en-GB" sz="2800" b="0" i="0" dirty="0" err="1">
-                <a:solidFill>
-                  <a:srgbClr val="292B2C"/>
-                </a:solidFill>
-                <a:effectLst/>
-                <a:latin typeface="Times New Roman" panose="02020603050405020304" pitchFamily="18" charset="0"/>
-                <a:cs typeface="Times New Roman" panose="02020603050405020304" pitchFamily="18" charset="0"/>
-              </a:rPr>
-              <a:t>cấp</a:t>
-            </a:r>
-            <a:r>
-              <a:rPr lang="en-GB" sz="2800" b="0" i="0" dirty="0">
-                <a:solidFill>
-                  <a:srgbClr val="292B2C"/>
-                </a:solidFill>
-                <a:effectLst/>
-                <a:latin typeface="Times New Roman" panose="02020603050405020304" pitchFamily="18" charset="0"/>
-                <a:cs typeface="Times New Roman" panose="02020603050405020304" pitchFamily="18" charset="0"/>
-              </a:rPr>
-              <a:t> </a:t>
-            </a:r>
-            <a:r>
-              <a:rPr lang="en-GB" sz="2800" b="0" i="0" dirty="0" err="1">
-                <a:solidFill>
-                  <a:srgbClr val="292B2C"/>
-                </a:solidFill>
-                <a:effectLst/>
-                <a:latin typeface="Times New Roman" panose="02020603050405020304" pitchFamily="18" charset="0"/>
-                <a:cs typeface="Times New Roman" panose="02020603050405020304" pitchFamily="18" charset="0"/>
-              </a:rPr>
-              <a:t>các</a:t>
-            </a:r>
-            <a:r>
-              <a:rPr lang="en-GB" sz="2800" b="0" i="0" dirty="0">
-                <a:solidFill>
-                  <a:srgbClr val="292B2C"/>
-                </a:solidFill>
-                <a:effectLst/>
-                <a:latin typeface="Times New Roman" panose="02020603050405020304" pitchFamily="18" charset="0"/>
-                <a:cs typeface="Times New Roman" panose="02020603050405020304" pitchFamily="18" charset="0"/>
-              </a:rPr>
-              <a:t> </a:t>
-            </a:r>
-            <a:r>
-              <a:rPr lang="en-GB" sz="2800" b="0" i="0" dirty="0" err="1">
-                <a:solidFill>
-                  <a:srgbClr val="292B2C"/>
-                </a:solidFill>
-                <a:effectLst/>
-                <a:latin typeface="Times New Roman" panose="02020603050405020304" pitchFamily="18" charset="0"/>
-                <a:cs typeface="Times New Roman" panose="02020603050405020304" pitchFamily="18" charset="0"/>
-              </a:rPr>
-              <a:t>ứng</a:t>
-            </a:r>
-            <a:r>
-              <a:rPr lang="en-GB" sz="2800" b="0" i="0" dirty="0">
-                <a:solidFill>
-                  <a:srgbClr val="292B2C"/>
-                </a:solidFill>
-                <a:effectLst/>
-                <a:latin typeface="Times New Roman" panose="02020603050405020304" pitchFamily="18" charset="0"/>
-                <a:cs typeface="Times New Roman" panose="02020603050405020304" pitchFamily="18" charset="0"/>
-              </a:rPr>
-              <a:t> </a:t>
-            </a:r>
-            <a:r>
-              <a:rPr lang="en-GB" sz="2800" b="0" i="0" dirty="0" err="1">
-                <a:solidFill>
-                  <a:srgbClr val="292B2C"/>
-                </a:solidFill>
-                <a:effectLst/>
-                <a:latin typeface="Times New Roman" panose="02020603050405020304" pitchFamily="18" charset="0"/>
-                <a:cs typeface="Times New Roman" panose="02020603050405020304" pitchFamily="18" charset="0"/>
-              </a:rPr>
-              <a:t>dụng</a:t>
-            </a:r>
-            <a:r>
-              <a:rPr lang="en-GB" sz="2800" b="0" i="0" dirty="0">
-                <a:solidFill>
-                  <a:srgbClr val="292B2C"/>
-                </a:solidFill>
-                <a:effectLst/>
-                <a:latin typeface="Times New Roman" panose="02020603050405020304" pitchFamily="18" charset="0"/>
-                <a:cs typeface="Times New Roman" panose="02020603050405020304" pitchFamily="18" charset="0"/>
-              </a:rPr>
-              <a:t> </a:t>
-            </a:r>
-            <a:r>
-              <a:rPr lang="en-GB" sz="2800" b="0" i="0" dirty="0" err="1">
-                <a:solidFill>
-                  <a:srgbClr val="292B2C"/>
-                </a:solidFill>
-                <a:effectLst/>
-                <a:latin typeface="Times New Roman" panose="02020603050405020304" pitchFamily="18" charset="0"/>
-                <a:cs typeface="Times New Roman" panose="02020603050405020304" pitchFamily="18" charset="0"/>
-              </a:rPr>
-              <a:t>máy</a:t>
-            </a:r>
-            <a:r>
-              <a:rPr lang="en-GB" sz="2800" b="0" i="0" dirty="0">
-                <a:solidFill>
-                  <a:srgbClr val="292B2C"/>
-                </a:solidFill>
-                <a:effectLst/>
-                <a:latin typeface="Times New Roman" panose="02020603050405020304" pitchFamily="18" charset="0"/>
-                <a:cs typeface="Times New Roman" panose="02020603050405020304" pitchFamily="18" charset="0"/>
-              </a:rPr>
-              <a:t> </a:t>
-            </a:r>
-            <a:r>
-              <a:rPr lang="en-GB" sz="2800" b="0" i="0" dirty="0" err="1">
-                <a:solidFill>
-                  <a:srgbClr val="292B2C"/>
-                </a:solidFill>
-                <a:effectLst/>
-                <a:latin typeface="Times New Roman" panose="02020603050405020304" pitchFamily="18" charset="0"/>
-                <a:cs typeface="Times New Roman" panose="02020603050405020304" pitchFamily="18" charset="0"/>
-              </a:rPr>
-              <a:t>tính</a:t>
-            </a:r>
-            <a:r>
-              <a:rPr lang="en-GB" sz="2800" b="0" i="0" dirty="0">
-                <a:solidFill>
-                  <a:srgbClr val="292B2C"/>
-                </a:solidFill>
-                <a:effectLst/>
-                <a:latin typeface="Times New Roman" panose="02020603050405020304" pitchFamily="18" charset="0"/>
-                <a:cs typeface="Times New Roman" panose="02020603050405020304" pitchFamily="18" charset="0"/>
-              </a:rPr>
-              <a:t> </a:t>
-            </a:r>
-            <a:r>
-              <a:rPr lang="en-GB" sz="2800" b="0" i="0" dirty="0" err="1">
-                <a:solidFill>
-                  <a:srgbClr val="292B2C"/>
-                </a:solidFill>
-                <a:effectLst/>
-                <a:latin typeface="Times New Roman" panose="02020603050405020304" pitchFamily="18" charset="0"/>
-                <a:cs typeface="Times New Roman" panose="02020603050405020304" pitchFamily="18" charset="0"/>
-              </a:rPr>
-              <a:t>ảo</a:t>
-            </a:r>
-            <a:r>
-              <a:rPr lang="en-GB" sz="2800" b="0" i="0" dirty="0">
-                <a:solidFill>
-                  <a:srgbClr val="292B2C"/>
-                </a:solidFill>
-                <a:effectLst/>
-                <a:latin typeface="Times New Roman" panose="02020603050405020304" pitchFamily="18" charset="0"/>
-                <a:cs typeface="Times New Roman" panose="02020603050405020304" pitchFamily="18" charset="0"/>
-              </a:rPr>
-              <a:t> </a:t>
-            </a:r>
-            <a:r>
-              <a:rPr lang="en-GB" sz="2800" b="0" i="0" dirty="0" err="1">
-                <a:solidFill>
-                  <a:srgbClr val="292B2C"/>
-                </a:solidFill>
-                <a:effectLst/>
-                <a:latin typeface="Times New Roman" panose="02020603050405020304" pitchFamily="18" charset="0"/>
-                <a:cs typeface="Times New Roman" panose="02020603050405020304" pitchFamily="18" charset="0"/>
-              </a:rPr>
-              <a:t>hoá</a:t>
-            </a:r>
-            <a:r>
-              <a:rPr lang="en-GB" sz="2800" b="0" i="0" dirty="0">
-                <a:solidFill>
-                  <a:srgbClr val="292B2C"/>
-                </a:solidFill>
-                <a:effectLst/>
-                <a:latin typeface="Times New Roman" panose="02020603050405020304" pitchFamily="18" charset="0"/>
-                <a:cs typeface="Times New Roman" panose="02020603050405020304" pitchFamily="18" charset="0"/>
-              </a:rPr>
-              <a:t> </a:t>
-            </a:r>
-            <a:r>
-              <a:rPr lang="en-GB" sz="2800" b="0" i="0" dirty="0" err="1">
-                <a:solidFill>
-                  <a:srgbClr val="292B2C"/>
-                </a:solidFill>
-                <a:effectLst/>
-                <a:latin typeface="Times New Roman" panose="02020603050405020304" pitchFamily="18" charset="0"/>
-                <a:cs typeface="Times New Roman" panose="02020603050405020304" pitchFamily="18" charset="0"/>
-              </a:rPr>
-              <a:t>có</a:t>
-            </a:r>
-            <a:r>
-              <a:rPr lang="en-GB" sz="2800" b="0" i="0" dirty="0">
-                <a:solidFill>
-                  <a:srgbClr val="292B2C"/>
-                </a:solidFill>
-                <a:effectLst/>
-                <a:latin typeface="Times New Roman" panose="02020603050405020304" pitchFamily="18" charset="0"/>
-                <a:cs typeface="Times New Roman" panose="02020603050405020304" pitchFamily="18" charset="0"/>
-              </a:rPr>
-              <a:t> </a:t>
-            </a:r>
-            <a:r>
-              <a:rPr lang="en-GB" sz="2800" b="0" i="0" dirty="0" err="1">
-                <a:solidFill>
-                  <a:srgbClr val="292B2C"/>
-                </a:solidFill>
-                <a:effectLst/>
-                <a:latin typeface="Times New Roman" panose="02020603050405020304" pitchFamily="18" charset="0"/>
-                <a:cs typeface="Times New Roman" panose="02020603050405020304" pitchFamily="18" charset="0"/>
-              </a:rPr>
-              <a:t>khả</a:t>
-            </a:r>
-            <a:r>
-              <a:rPr lang="en-GB" sz="2800" b="0" i="0" dirty="0">
-                <a:solidFill>
-                  <a:srgbClr val="292B2C"/>
-                </a:solidFill>
-                <a:effectLst/>
-                <a:latin typeface="Times New Roman" panose="02020603050405020304" pitchFamily="18" charset="0"/>
-                <a:cs typeface="Times New Roman" panose="02020603050405020304" pitchFamily="18" charset="0"/>
-              </a:rPr>
-              <a:t> </a:t>
-            </a:r>
-            <a:r>
-              <a:rPr lang="en-GB" sz="2800" b="0" i="0" dirty="0" err="1">
-                <a:solidFill>
-                  <a:srgbClr val="292B2C"/>
-                </a:solidFill>
-                <a:effectLst/>
-                <a:latin typeface="Times New Roman" panose="02020603050405020304" pitchFamily="18" charset="0"/>
-                <a:cs typeface="Times New Roman" panose="02020603050405020304" pitchFamily="18" charset="0"/>
-              </a:rPr>
-              <a:t>năng</a:t>
-            </a:r>
-            <a:r>
-              <a:rPr lang="en-GB" sz="2800" b="0" i="0" dirty="0">
-                <a:solidFill>
-                  <a:srgbClr val="292B2C"/>
-                </a:solidFill>
-                <a:effectLst/>
-                <a:latin typeface="Times New Roman" panose="02020603050405020304" pitchFamily="18" charset="0"/>
-                <a:cs typeface="Times New Roman" panose="02020603050405020304" pitchFamily="18" charset="0"/>
-              </a:rPr>
-              <a:t> </a:t>
-            </a:r>
-            <a:r>
-              <a:rPr lang="en-GB" sz="2800" b="0" i="0" dirty="0" err="1">
-                <a:solidFill>
-                  <a:srgbClr val="292B2C"/>
-                </a:solidFill>
-                <a:effectLst/>
-                <a:latin typeface="Times New Roman" panose="02020603050405020304" pitchFamily="18" charset="0"/>
-                <a:cs typeface="Times New Roman" panose="02020603050405020304" pitchFamily="18" charset="0"/>
-              </a:rPr>
-              <a:t>mở</a:t>
-            </a:r>
-            <a:r>
-              <a:rPr lang="en-GB" sz="2800" b="0" i="0" dirty="0">
-                <a:solidFill>
-                  <a:srgbClr val="292B2C"/>
-                </a:solidFill>
-                <a:effectLst/>
-                <a:latin typeface="Times New Roman" panose="02020603050405020304" pitchFamily="18" charset="0"/>
-                <a:cs typeface="Times New Roman" panose="02020603050405020304" pitchFamily="18" charset="0"/>
-              </a:rPr>
-              <a:t> </a:t>
-            </a:r>
-            <a:r>
-              <a:rPr lang="en-GB" sz="2800" b="0" i="0" dirty="0" err="1">
-                <a:solidFill>
-                  <a:srgbClr val="292B2C"/>
-                </a:solidFill>
-                <a:effectLst/>
-                <a:latin typeface="Times New Roman" panose="02020603050405020304" pitchFamily="18" charset="0"/>
-                <a:cs typeface="Times New Roman" panose="02020603050405020304" pitchFamily="18" charset="0"/>
-              </a:rPr>
-              <a:t>rộng</a:t>
-            </a:r>
-            <a:r>
-              <a:rPr lang="en-GB" sz="2800" b="0" i="0" dirty="0">
-                <a:solidFill>
-                  <a:srgbClr val="292B2C"/>
-                </a:solidFill>
-                <a:effectLst/>
-                <a:latin typeface="Times New Roman" panose="02020603050405020304" pitchFamily="18" charset="0"/>
-                <a:cs typeface="Times New Roman" panose="02020603050405020304" pitchFamily="18" charset="0"/>
-              </a:rPr>
-              <a:t> ram, </a:t>
-            </a:r>
-            <a:r>
-              <a:rPr lang="en-GB" sz="2800" b="0" i="0" dirty="0" err="1">
-                <a:solidFill>
-                  <a:srgbClr val="292B2C"/>
-                </a:solidFill>
-                <a:effectLst/>
-                <a:latin typeface="Times New Roman" panose="02020603050405020304" pitchFamily="18" charset="0"/>
-                <a:cs typeface="Times New Roman" panose="02020603050405020304" pitchFamily="18" charset="0"/>
-              </a:rPr>
-              <a:t>cpu</a:t>
-            </a:r>
-            <a:r>
-              <a:rPr lang="en-GB" sz="2800" b="0" i="0" dirty="0">
-                <a:solidFill>
-                  <a:srgbClr val="292B2C"/>
-                </a:solidFill>
-                <a:effectLst/>
-                <a:latin typeface="Times New Roman" panose="02020603050405020304" pitchFamily="18" charset="0"/>
-                <a:cs typeface="Times New Roman" panose="02020603050405020304" pitchFamily="18" charset="0"/>
-              </a:rPr>
-              <a:t>,…</a:t>
-            </a:r>
-          </a:p>
-          <a:p>
-            <a:endParaRPr lang="en-GB" sz="2800" dirty="0">
-              <a:latin typeface="Times New Roman" panose="02020603050405020304" pitchFamily="18" charset="0"/>
-              <a:cs typeface="Times New Roman" panose="02020603050405020304" pitchFamily="18" charset="0"/>
-            </a:endParaRPr>
-          </a:p>
-        </p:txBody>
-      </p:sp>
-      <p:pic>
-        <p:nvPicPr>
-          <p:cNvPr id="7" name="Picture 6">
-            <a:extLst>
-              <a:ext uri="{FF2B5EF4-FFF2-40B4-BE49-F238E27FC236}">
-                <a16:creationId xmlns:a16="http://schemas.microsoft.com/office/drawing/2014/main" id="{9EC61F02-1E14-4081-892A-507319F21959}"/>
-              </a:ext>
-            </a:extLst>
-          </p:cNvPr>
-          <p:cNvPicPr>
-            <a:picLocks noChangeAspect="1"/>
-          </p:cNvPicPr>
-          <p:nvPr/>
-        </p:nvPicPr>
-        <p:blipFill>
-          <a:blip r:embed="rId2"/>
-          <a:stretch>
-            <a:fillRect/>
-          </a:stretch>
-        </p:blipFill>
-        <p:spPr>
-          <a:xfrm>
-            <a:off x="534390" y="3108545"/>
-            <a:ext cx="9452758" cy="2574479"/>
-          </a:xfrm>
-          <a:prstGeom prst="rect">
-            <a:avLst/>
-          </a:prstGeom>
-        </p:spPr>
-      </p:pic>
-    </p:spTree>
-    <p:extLst>
-      <p:ext uri="{BB962C8B-B14F-4D97-AF65-F5344CB8AC3E}">
-        <p14:creationId xmlns:p14="http://schemas.microsoft.com/office/powerpoint/2010/main" val="739317188"/>
-      </p:ext>
-    </p:extLst>
-  </p:cSld>
-  <p:clrMapOvr>
-    <a:masterClrMapping/>
-  </p:clrMapOvr>
-</p:sld>
-</file>
-
-<file path=ppt/slides/slide14.xml><?xml version="1.0" encoding="utf-8"?>
 <p:sld xmlns:a="http://schemas.openxmlformats.org/drawingml/2006/main" xmlns:r="http://schemas.openxmlformats.org/officeDocument/2006/relationships" xmlns:p="http://schemas.openxmlformats.org/presentationml/2006/main">
   <p:cSld>
     <p:spTree>
